--- a/slides/projects/June26/June26_Projects.pptx
+++ b/slides/projects/June26/June26_Projects.pptx
@@ -3898,8 +3898,15 @@
                 <a:pPr lvl="1"/>
                 <a:r>
                   <a:rPr lang="en-US" dirty="0"/>
-                  <a:t>Bad Benchmarks: CIKM</a:t>
+                  <a:t>Bad Benchmarks: </a:t>
                 </a:r>
+                <a:r>
+                  <a:rPr lang="en-US" dirty="0">
+                    <a:hlinkClick r:id="rId3"/>
+                  </a:rPr>
+                  <a:t>CIKM</a:t>
+                </a:r>
+                <a:endParaRPr lang="en-US" dirty="0"/>
               </a:p>
               <a:p>
                 <a:pPr lvl="1"/>
@@ -4103,7 +4110,7 @@
             </p:nvSpPr>
             <p:spPr>
               <a:blipFill>
-                <a:blip r:embed="rId3"/>
+                <a:blip r:embed="rId4"/>
                 <a:stretch>
                   <a:fillRect l="-1711" t="-3198"/>
                 </a:stretch>
@@ -4441,7 +4448,7 @@
             </p:nvSpPr>
             <p:spPr>
               <a:blipFill>
-                <a:blip r:embed="rId4"/>
+                <a:blip r:embed="rId5"/>
                 <a:stretch>
                   <a:fillRect l="-1711" t="-3198" r="-489" b="-872"/>
                 </a:stretch>

--- a/slides/projects/June26/June26_Projects.pptx
+++ b/slides/projects/June26/June26_Projects.pptx
@@ -5,14 +5,15 @@
     <p:sldMasterId id="2147483648" r:id="rId1"/>
   </p:sldMasterIdLst>
   <p:notesMasterIdLst>
-    <p:notesMasterId r:id="rId7"/>
+    <p:notesMasterId r:id="rId8"/>
   </p:notesMasterIdLst>
   <p:sldIdLst>
     <p:sldId id="256" r:id="rId2"/>
-    <p:sldId id="1136" r:id="rId3"/>
-    <p:sldId id="1137" r:id="rId4"/>
-    <p:sldId id="1138" r:id="rId5"/>
-    <p:sldId id="1134" r:id="rId6"/>
+    <p:sldId id="1139" r:id="rId3"/>
+    <p:sldId id="1136" r:id="rId4"/>
+    <p:sldId id="1137" r:id="rId5"/>
+    <p:sldId id="1138" r:id="rId6"/>
+    <p:sldId id="1134" r:id="rId7"/>
   </p:sldIdLst>
   <p:sldSz cx="12192000" cy="6858000"/>
   <p:notesSz cx="6858000" cy="9144000"/>
@@ -3828,6 +3829,273 @@
       </p:grpSpPr>
       <p:sp>
         <p:nvSpPr>
+          <p:cNvPr id="2" name="Title 1">
+            <a:extLst>
+              <a:ext uri="{FF2B5EF4-FFF2-40B4-BE49-F238E27FC236}">
+                <a16:creationId xmlns:a16="http://schemas.microsoft.com/office/drawing/2014/main" id="{2DA9D249-7A42-5011-9360-D6B2BF8329B4}"/>
+              </a:ext>
+            </a:extLst>
+          </p:cNvPr>
+          <p:cNvSpPr>
+            <a:spLocks noGrp="1"/>
+          </p:cNvSpPr>
+          <p:nvPr>
+            <p:ph type="title"/>
+          </p:nvPr>
+        </p:nvSpPr>
+        <p:spPr/>
+        <p:txBody>
+          <a:bodyPr/>
+          <a:lstStyle/>
+          <a:p>
+            <a:r>
+              <a:rPr lang="en-US" dirty="0"/>
+              <a:t>Four Use Cases from </a:t>
+            </a:r>
+            <a:r>
+              <a:rPr lang="en-US" dirty="0">
+                <a:hlinkClick r:id="rId2"/>
+              </a:rPr>
+              <a:t>Proposal</a:t>
+            </a:r>
+            <a:endParaRPr lang="en-US" dirty="0"/>
+          </a:p>
+        </p:txBody>
+      </p:sp>
+      <p:sp>
+        <p:nvSpPr>
+          <p:cNvPr id="3" name="Content Placeholder 2">
+            <a:extLst>
+              <a:ext uri="{FF2B5EF4-FFF2-40B4-BE49-F238E27FC236}">
+                <a16:creationId xmlns:a16="http://schemas.microsoft.com/office/drawing/2014/main" id="{50CD3394-346A-3537-E8A5-3AD4E0176AAB}"/>
+              </a:ext>
+            </a:extLst>
+          </p:cNvPr>
+          <p:cNvSpPr>
+            <a:spLocks noGrp="1"/>
+          </p:cNvSpPr>
+          <p:nvPr>
+            <p:ph sz="half" idx="1"/>
+          </p:nvPr>
+        </p:nvSpPr>
+        <p:spPr/>
+        <p:txBody>
+          <a:bodyPr>
+            <a:normAutofit/>
+          </a:bodyPr>
+          <a:lstStyle/>
+          <a:p>
+            <a:r>
+              <a:rPr lang="en-US" dirty="0"/>
+              <a:t>Recommendations</a:t>
+            </a:r>
+          </a:p>
+          <a:p>
+            <a:pPr lvl="1"/>
+            <a:r>
+              <a:rPr lang="en-US" dirty="0"/>
+              <a:t>What should I read?</a:t>
+            </a:r>
+          </a:p>
+          <a:p>
+            <a:pPr lvl="1"/>
+            <a:r>
+              <a:rPr lang="en-US" dirty="0"/>
+              <a:t>What should I cite?</a:t>
+            </a:r>
+          </a:p>
+          <a:p>
+            <a:r>
+              <a:rPr lang="en-US" dirty="0"/>
+              <a:t>Finding experts</a:t>
+            </a:r>
+          </a:p>
+          <a:p>
+            <a:pPr lvl="1"/>
+            <a:r>
+              <a:rPr lang="en-US" dirty="0"/>
+              <a:t>Similar to above, </a:t>
+            </a:r>
+          </a:p>
+          <a:p>
+            <a:pPr lvl="1"/>
+            <a:r>
+              <a:rPr lang="en-US" dirty="0"/>
+              <a:t>except answer is a contact</a:t>
+            </a:r>
+          </a:p>
+          <a:p>
+            <a:pPr lvl="2"/>
+            <a:r>
+              <a:rPr lang="en-US" dirty="0"/>
+              <a:t> (as opposed to a paper)</a:t>
+            </a:r>
+          </a:p>
+          <a:p>
+            <a:endParaRPr lang="en-US" dirty="0"/>
+          </a:p>
+        </p:txBody>
+      </p:sp>
+      <p:sp>
+        <p:nvSpPr>
+          <p:cNvPr id="6" name="Content Placeholder 5">
+            <a:extLst>
+              <a:ext uri="{FF2B5EF4-FFF2-40B4-BE49-F238E27FC236}">
+                <a16:creationId xmlns:a16="http://schemas.microsoft.com/office/drawing/2014/main" id="{FA4D3F36-E2F1-DFF4-7CD2-C6CA9E90EBAD}"/>
+              </a:ext>
+            </a:extLst>
+          </p:cNvPr>
+          <p:cNvSpPr>
+            <a:spLocks noGrp="1"/>
+          </p:cNvSpPr>
+          <p:nvPr>
+            <p:ph sz="half" idx="2"/>
+          </p:nvPr>
+        </p:nvSpPr>
+        <p:spPr/>
+        <p:txBody>
+          <a:bodyPr>
+            <a:normAutofit/>
+          </a:bodyPr>
+          <a:lstStyle/>
+          <a:p>
+            <a:r>
+              <a:rPr lang="en-US" dirty="0"/>
+              <a:t>Routing papers to reviewers</a:t>
+            </a:r>
+          </a:p>
+          <a:p>
+            <a:pPr lvl="1"/>
+            <a:r>
+              <a:rPr lang="en-US" dirty="0"/>
+              <a:t>Similar to above,</a:t>
+            </a:r>
+          </a:p>
+          <a:p>
+            <a:pPr lvl="1"/>
+            <a:r>
+              <a:rPr lang="en-US" dirty="0"/>
+              <a:t>except query docs are not in training data</a:t>
+            </a:r>
+          </a:p>
+          <a:p>
+            <a:r>
+              <a:rPr lang="en-US" dirty="0"/>
+              <a:t>Summarization</a:t>
+            </a:r>
+          </a:p>
+          <a:p>
+            <a:pPr lvl="1"/>
+            <a:r>
+              <a:rPr lang="en-US" dirty="0"/>
+              <a:t>Compare &amp; Contrast Clusters</a:t>
+            </a:r>
+          </a:p>
+          <a:p>
+            <a:pPr lvl="2"/>
+            <a:r>
+              <a:rPr lang="en-US" dirty="0"/>
+              <a:t>(Do not summarize docs </a:t>
+            </a:r>
+          </a:p>
+          <a:p>
+            <a:pPr lvl="2"/>
+            <a:r>
+              <a:rPr lang="en-US" dirty="0"/>
+              <a:t>one at a time)</a:t>
+            </a:r>
+          </a:p>
+        </p:txBody>
+      </p:sp>
+      <p:sp>
+        <p:nvSpPr>
+          <p:cNvPr id="4" name="Date Placeholder 3">
+            <a:extLst>
+              <a:ext uri="{FF2B5EF4-FFF2-40B4-BE49-F238E27FC236}">
+                <a16:creationId xmlns:a16="http://schemas.microsoft.com/office/drawing/2014/main" id="{4F4697D0-C46F-4529-2031-CF2D08D9B119}"/>
+              </a:ext>
+            </a:extLst>
+          </p:cNvPr>
+          <p:cNvSpPr>
+            <a:spLocks noGrp="1"/>
+          </p:cNvSpPr>
+          <p:nvPr>
+            <p:ph type="dt" sz="half" idx="10"/>
+          </p:nvPr>
+        </p:nvSpPr>
+        <p:spPr/>
+        <p:txBody>
+          <a:bodyPr/>
+          <a:lstStyle/>
+          <a:p>
+            <a:r>
+              <a:rPr lang="en-US"/>
+              <a:t>6/26/2023</a:t>
+            </a:r>
+          </a:p>
+        </p:txBody>
+      </p:sp>
+      <p:sp>
+        <p:nvSpPr>
+          <p:cNvPr id="5" name="Slide Number Placeholder 4">
+            <a:extLst>
+              <a:ext uri="{FF2B5EF4-FFF2-40B4-BE49-F238E27FC236}">
+                <a16:creationId xmlns:a16="http://schemas.microsoft.com/office/drawing/2014/main" id="{D721AD75-EBBA-8CE5-AB6F-0757A878F27F}"/>
+              </a:ext>
+            </a:extLst>
+          </p:cNvPr>
+          <p:cNvSpPr>
+            <a:spLocks noGrp="1"/>
+          </p:cNvSpPr>
+          <p:nvPr>
+            <p:ph type="sldNum" sz="quarter" idx="12"/>
+          </p:nvPr>
+        </p:nvSpPr>
+        <p:spPr/>
+        <p:txBody>
+          <a:bodyPr/>
+          <a:lstStyle/>
+          <a:p>
+            <a:fld id="{A368AD35-EA55-254F-AD80-EFD99CF0F10B}" type="slidenum">
+              <a:rPr lang="en-US" smtClean="0"/>
+              <a:t>2</a:t>
+            </a:fld>
+            <a:endParaRPr lang="en-US"/>
+          </a:p>
+        </p:txBody>
+      </p:sp>
+    </p:spTree>
+    <p:extLst>
+      <p:ext uri="{BB962C8B-B14F-4D97-AF65-F5344CB8AC3E}">
+        <p14:creationId xmlns:p14="http://schemas.microsoft.com/office/powerpoint/2010/main" val="310791819"/>
+      </p:ext>
+    </p:extLst>
+  </p:cSld>
+  <p:clrMapOvr>
+    <a:masterClrMapping/>
+  </p:clrMapOvr>
+</p:sld>
+</file>
+
+<file path=ppt/slides/slide3.xml><?xml version="1.0" encoding="utf-8"?>
+<p:sld xmlns:a="http://schemas.openxmlformats.org/drawingml/2006/main" xmlns:r="http://schemas.openxmlformats.org/officeDocument/2006/relationships" xmlns:p="http://schemas.openxmlformats.org/presentationml/2006/main">
+  <p:cSld>
+    <p:spTree>
+      <p:nvGrpSpPr>
+        <p:cNvPr id="1" name=""/>
+        <p:cNvGrpSpPr/>
+        <p:nvPr/>
+      </p:nvGrpSpPr>
+      <p:grpSpPr>
+        <a:xfrm>
+          <a:off x="0" y="0"/>
+          <a:ext cx="0" cy="0"/>
+          <a:chOff x="0" y="0"/>
+          <a:chExt cx="0" cy="0"/>
+        </a:xfrm>
+      </p:grpSpPr>
+      <p:sp>
+        <p:nvSpPr>
           <p:cNvPr id="6" name="Title 5">
             <a:extLst>
               <a:ext uri="{FF2B5EF4-FFF2-40B4-BE49-F238E27FC236}">
@@ -3849,8 +4117,13 @@
           <a:p>
             <a:r>
               <a:rPr lang="en-US" dirty="0"/>
-              <a:t>Overview</a:t>
-            </a:r>
+              <a:t>Overview of </a:t>
+            </a:r>
+            <a:r>
+              <a:rPr lang="en-US"/>
+              <a:t>Project Suggestions</a:t>
+            </a:r>
+            <a:endParaRPr lang="en-US" dirty="0"/>
           </a:p>
         </p:txBody>
       </p:sp>
@@ -3881,75 +4154,7 @@
               <a:p>
                 <a:r>
                   <a:rPr lang="en-US" dirty="0"/>
-                  <a:t>Evaluation (see </a:t>
-                </a:r>
-                <a:r>
-                  <a:rPr lang="en-US" dirty="0">
-                    <a:hlinkClick r:id="rId2"/>
-                  </a:rPr>
-                  <a:t>here</a:t>
-                </a:r>
-                <a:r>
-                  <a:rPr lang="en-US" dirty="0"/>
-                  <a:t>)</a:t>
-                </a:r>
-              </a:p>
-              <a:p>
-                <a:pPr lvl="1"/>
-                <a:r>
-                  <a:rPr lang="en-US" dirty="0"/>
-                  <a:t>Bad Benchmarks: </a:t>
-                </a:r>
-                <a:r>
-                  <a:rPr lang="en-US" dirty="0">
-                    <a:hlinkClick r:id="rId3"/>
-                  </a:rPr>
-                  <a:t>CIKM</a:t>
-                </a:r>
-                <a:endParaRPr lang="en-US" dirty="0"/>
-              </a:p>
-              <a:p>
-                <a:pPr lvl="1"/>
-                <a:r>
-                  <a:rPr lang="en-US" dirty="0"/>
-                  <a:t>More promising: G over time</a:t>
-                </a:r>
-              </a:p>
-              <a:p>
-                <a:r>
-                  <a:rPr lang="en-US" dirty="0"/>
-                  <a:t>Summarization</a:t>
-                </a:r>
-              </a:p>
-              <a:p>
-                <a:pPr lvl="1"/>
-                <a:r>
-                  <a:rPr lang="en-US" dirty="0" err="1"/>
-                  <a:t>tl;dr</a:t>
-                </a:r>
-                <a:r>
-                  <a:rPr lang="en-US" dirty="0"/>
-                  <a:t>: summarizes docs</a:t>
-                </a:r>
-              </a:p>
-              <a:p>
-                <a:pPr lvl="2"/>
-                <a:r>
-                  <a:rPr lang="en-US" dirty="0"/>
-                  <a:t> one at a time (not great)</a:t>
-                </a:r>
-              </a:p>
-              <a:p>
-                <a:pPr lvl="1"/>
-                <a:r>
-                  <a:rPr lang="en-US" dirty="0"/>
-                  <a:t>Compare &amp; Contrast Clusters</a:t>
-                </a:r>
-              </a:p>
-              <a:p>
-                <a:r>
-                  <a:rPr lang="en-US" dirty="0"/>
-                  <a:t> Inverse BERT</a:t>
+                  <a:t>Inverse BERT</a:t>
                 </a:r>
               </a:p>
               <a:p>
@@ -4083,6 +4288,79 @@
                   </a:rPr>
                   <a:t>; output text</a:t>
                 </a:r>
+              </a:p>
+              <a:p>
+                <a:r>
+                  <a:rPr lang="en-US" dirty="0"/>
+                  <a:t>Summarization</a:t>
+                </a:r>
+              </a:p>
+              <a:p>
+                <a:pPr lvl="1"/>
+                <a:r>
+                  <a:rPr lang="en-US" dirty="0" err="1"/>
+                  <a:t>tl;dr</a:t>
+                </a:r>
+                <a:r>
+                  <a:rPr lang="en-US" dirty="0"/>
+                  <a:t>: summarizes docs</a:t>
+                </a:r>
+              </a:p>
+              <a:p>
+                <a:pPr lvl="2"/>
+                <a:r>
+                  <a:rPr lang="en-US" dirty="0"/>
+                  <a:t> one at a time (not great)</a:t>
+                </a:r>
+              </a:p>
+              <a:p>
+                <a:pPr lvl="1"/>
+                <a:r>
+                  <a:rPr lang="en-US" dirty="0"/>
+                  <a:t>Compare &amp; Contrast Clusters</a:t>
+                </a:r>
+              </a:p>
+              <a:p>
+                <a:r>
+                  <a:rPr lang="en-US" dirty="0"/>
+                  <a:t>Evaluation (see </a:t>
+                </a:r>
+                <a:r>
+                  <a:rPr lang="en-US" dirty="0">
+                    <a:hlinkClick r:id="rId2"/>
+                  </a:rPr>
+                  <a:t>here</a:t>
+                </a:r>
+                <a:r>
+                  <a:rPr lang="en-US" dirty="0"/>
+                  <a:t>)</a:t>
+                </a:r>
+              </a:p>
+              <a:p>
+                <a:pPr lvl="1"/>
+                <a:r>
+                  <a:rPr lang="en-US" dirty="0"/>
+                  <a:t>Bad Benchmarks: </a:t>
+                </a:r>
+                <a:r>
+                  <a:rPr lang="en-US" dirty="0">
+                    <a:hlinkClick r:id="rId3"/>
+                  </a:rPr>
+                  <a:t>CIKM</a:t>
+                </a:r>
+                <a:endParaRPr lang="en-US" dirty="0"/>
+              </a:p>
+              <a:p>
+                <a:pPr lvl="1"/>
+                <a:r>
+                  <a:rPr lang="en-US" dirty="0"/>
+                  <a:t>More promising: G over time</a:t>
+                </a:r>
+              </a:p>
+              <a:p>
+                <a:endParaRPr lang="en-US" dirty="0">
+                  <a:sym typeface="Wingdings" pitchFamily="2" charset="2"/>
+                </a:endParaRPr>
               </a:p>
               <a:p>
                 <a:pPr lvl="1"/>
@@ -4520,7 +4798,7 @@
           <a:p>
             <a:fld id="{A368AD35-EA55-254F-AD80-EFD99CF0F10B}" type="slidenum">
               <a:rPr lang="en-US" smtClean="0"/>
-              <a:t>2</a:t>
+              <a:t>3</a:t>
             </a:fld>
             <a:endParaRPr lang="en-US"/>
           </a:p>
@@ -4539,7 +4817,7 @@
 </p:sld>
 </file>
 
-<file path=ppt/slides/slide3.xml><?xml version="1.0" encoding="utf-8"?>
+<file path=ppt/slides/slide4.xml><?xml version="1.0" encoding="utf-8"?>
 <p:sld xmlns:a="http://schemas.openxmlformats.org/drawingml/2006/main" xmlns:r="http://schemas.openxmlformats.org/officeDocument/2006/relationships" xmlns:p="http://schemas.openxmlformats.org/presentationml/2006/main">
   <p:cSld>
     <p:spTree>
@@ -4635,7 +4913,7 @@
           <a:p>
             <a:fld id="{A368AD35-EA55-254F-AD80-EFD99CF0F10B}" type="slidenum">
               <a:rPr lang="en-US" smtClean="0"/>
-              <a:t>3</a:t>
+              <a:t>4</a:t>
             </a:fld>
             <a:endParaRPr lang="en-US"/>
           </a:p>
@@ -4803,7 +5081,7 @@
 </p:sld>
 </file>
 
-<file path=ppt/slides/slide4.xml><?xml version="1.0" encoding="utf-8"?>
+<file path=ppt/slides/slide5.xml><?xml version="1.0" encoding="utf-8"?>
 <p:sld xmlns:a="http://schemas.openxmlformats.org/drawingml/2006/main" xmlns:r="http://schemas.openxmlformats.org/officeDocument/2006/relationships" xmlns:p="http://schemas.openxmlformats.org/presentationml/2006/main">
   <p:cSld>
     <p:spTree>
@@ -5437,7 +5715,7 @@
           <a:p>
             <a:fld id="{A368AD35-EA55-254F-AD80-EFD99CF0F10B}" type="slidenum">
               <a:rPr lang="en-US" smtClean="0"/>
-              <a:t>4</a:t>
+              <a:t>5</a:t>
             </a:fld>
             <a:endParaRPr lang="en-US"/>
           </a:p>
@@ -5750,7 +6028,7 @@
 </p:sld>
 </file>
 
-<file path=ppt/slides/slide5.xml><?xml version="1.0" encoding="utf-8"?>
+<file path=ppt/slides/slide6.xml><?xml version="1.0" encoding="utf-8"?>
 <p:sld xmlns:a="http://schemas.openxmlformats.org/drawingml/2006/main" xmlns:r="http://schemas.openxmlformats.org/officeDocument/2006/relationships" xmlns:p="http://schemas.openxmlformats.org/presentationml/2006/main">
   <p:cSld>
     <p:spTree>
@@ -6259,7 +6537,7 @@
           <a:p>
             <a:fld id="{A368AD35-EA55-254F-AD80-EFD99CF0F10B}" type="slidenum">
               <a:rPr lang="en-US" smtClean="0"/>
-              <a:t>5</a:t>
+              <a:t>6</a:t>
             </a:fld>
             <a:endParaRPr lang="en-US"/>
           </a:p>

--- a/slides/projects/June26/June26_Projects.pptx
+++ b/slides/projects/June26/June26_Projects.pptx
@@ -4117,13 +4117,8 @@
           <a:p>
             <a:r>
               <a:rPr lang="en-US" dirty="0"/>
-              <a:t>Overview of </a:t>
-            </a:r>
-            <a:r>
-              <a:rPr lang="en-US"/>
-              <a:t>Project Suggestions</a:t>
-            </a:r>
-            <a:endParaRPr lang="en-US" dirty="0"/>
+              <a:t>Overview of Project Suggestions</a:t>
+            </a:r>
           </a:p>
         </p:txBody>
       </p:sp>
@@ -4148,7 +4143,7 @@
             <p:spPr/>
             <p:txBody>
               <a:bodyPr>
-                <a:normAutofit fontScale="85000" lnSpcReduction="20000"/>
+                <a:normAutofit fontScale="77500" lnSpcReduction="20000"/>
               </a:bodyPr>
               <a:lstStyle/>
               <a:p>
@@ -4358,6 +4353,19 @@
                 </a:r>
               </a:p>
               <a:p>
+                <a:r>
+                  <a:rPr lang="en-US" dirty="0"/>
+                  <a:t>Citing Sentences:</a:t>
+                </a:r>
+              </a:p>
+              <a:p>
+                <a:pPr lvl="1"/>
+                <a:r>
+                  <a:rPr lang="en-US" dirty="0"/>
+                  <a:t>Why is a paper important to contemporary audience in contemporary terms?</a:t>
+                </a:r>
+              </a:p>
+              <a:p>
                 <a:endParaRPr lang="en-US" dirty="0">
                   <a:sym typeface="Wingdings" pitchFamily="2" charset="2"/>
                 </a:endParaRPr>
@@ -4390,7 +4398,7 @@
               <a:blipFill>
                 <a:blip r:embed="rId4"/>
                 <a:stretch>
-                  <a:fillRect l="-1711" t="-3198"/>
+                  <a:fillRect l="-1467" t="-2907"/>
                 </a:stretch>
               </a:blipFill>
             </p:spPr>
@@ -4430,22 +4438,9 @@
             <p:spPr/>
             <p:txBody>
               <a:bodyPr>
-                <a:normAutofit fontScale="85000" lnSpcReduction="20000"/>
+                <a:normAutofit fontScale="77500" lnSpcReduction="20000"/>
               </a:bodyPr>
               <a:lstStyle/>
-              <a:p>
-                <a:r>
-                  <a:rPr lang="en-US" dirty="0"/>
-                  <a:t>Citing Sentences:</a:t>
-                </a:r>
-              </a:p>
-              <a:p>
-                <a:pPr lvl="1"/>
-                <a:r>
-                  <a:rPr lang="en-US" dirty="0"/>
-                  <a:t>Why is a paper important to contemporary audience in contemporary terms?</a:t>
-                </a:r>
-              </a:p>
               <a:p>
                 <a:r>
                   <a:rPr lang="en-US" dirty="0"/>
@@ -4704,6 +4699,19 @@
                   <a:t>Incremental updates</a:t>
                 </a:r>
               </a:p>
+              <a:p>
+                <a:r>
+                  <a:rPr lang="en-US" dirty="0"/>
+                  <a:t>Web services</a:t>
+                </a:r>
+              </a:p>
+              <a:p>
+                <a:pPr lvl="1"/>
+                <a:r>
+                  <a:rPr lang="en-US" dirty="0"/>
+                  <a:t>Does anyone have a web server?</a:t>
+                </a:r>
+              </a:p>
             </p:txBody>
           </p:sp>
         </mc:Choice>
@@ -4728,7 +4736,7 @@
               <a:blipFill>
                 <a:blip r:embed="rId5"/>
                 <a:stretch>
-                  <a:fillRect l="-1711" t="-3198" r="-489" b="-872"/>
+                  <a:fillRect l="-1467" t="-2907"/>
                 </a:stretch>
               </a:blipFill>
             </p:spPr>

--- a/slides/projects/June26/June26_Projects.pptx
+++ b/slides/projects/June26/June26_Projects.pptx
@@ -4965,7 +4965,17 @@
               <a:rPr lang="en-US" dirty="0">
                 <a:hlinkClick r:id="rId2"/>
               </a:rPr>
-              <a:t>here</a:t>
+              <a:t>docs</a:t>
+            </a:r>
+            <a:r>
+              <a:rPr lang="en-US" dirty="0"/>
+              <a:t> and </a:t>
+            </a:r>
+            <a:r>
+              <a:rPr lang="en-US" dirty="0">
+                <a:hlinkClick r:id="rId3"/>
+              </a:rPr>
+              <a:t>vectors</a:t>
             </a:r>
             <a:endParaRPr lang="en-US" dirty="0"/>
           </a:p>
@@ -5064,7 +5074,7 @@
           </p:nvPr>
         </p:nvPicPr>
         <p:blipFill>
-          <a:blip r:embed="rId3"/>
+          <a:blip r:embed="rId4"/>
           <a:stretch>
             <a:fillRect/>
           </a:stretch>
